--- a/Documentação/HLD&LLD/HLD v4.0.pptx
+++ b/Documentação/HLD&LLD/HLD v4.0.pptx
@@ -8,7 +8,7 @@
     <p:notesMasterId r:id="rId3"/>
   </p:notesMasterIdLst>
   <p:sldIdLst>
-    <p:sldId id="259" r:id="rId2"/>
+    <p:sldId id="260" r:id="rId2"/>
   </p:sldIdLst>
   <p:sldSz cx="12192000" cy="6858000"/>
   <p:notesSz cx="6858000" cy="9144000"/>
@@ -1034,7 +1034,7 @@
           <a:p>
             <a:fld id="{0C5D9D58-D740-4366-A977-17C0763281B4}" type="datetimeFigureOut">
               <a:rPr lang="pt-BR" smtClean="0"/>
-              <a:t>05/10/2020</a:t>
+              <a:t>07/10/2020</a:t>
             </a:fld>
             <a:endParaRPr lang="pt-BR"/>
           </a:p>
@@ -1448,7 +1448,7 @@
           <a:p>
             <a:fld id="{F5EB898D-A655-4B60-9070-B87E7C0538D4}" type="datetimeFigureOut">
               <a:rPr lang="pt-BR" smtClean="0"/>
-              <a:t>05/10/2020</a:t>
+              <a:t>07/10/2020</a:t>
             </a:fld>
             <a:endParaRPr lang="pt-BR"/>
           </a:p>
@@ -1646,7 +1646,7 @@
           <a:p>
             <a:fld id="{F5EB898D-A655-4B60-9070-B87E7C0538D4}" type="datetimeFigureOut">
               <a:rPr lang="pt-BR" smtClean="0"/>
-              <a:t>05/10/2020</a:t>
+              <a:t>07/10/2020</a:t>
             </a:fld>
             <a:endParaRPr lang="pt-BR"/>
           </a:p>
@@ -1854,7 +1854,7 @@
           <a:p>
             <a:fld id="{F5EB898D-A655-4B60-9070-B87E7C0538D4}" type="datetimeFigureOut">
               <a:rPr lang="pt-BR" smtClean="0"/>
-              <a:t>05/10/2020</a:t>
+              <a:t>07/10/2020</a:t>
             </a:fld>
             <a:endParaRPr lang="pt-BR"/>
           </a:p>
@@ -2052,7 +2052,7 @@
           <a:p>
             <a:fld id="{F5EB898D-A655-4B60-9070-B87E7C0538D4}" type="datetimeFigureOut">
               <a:rPr lang="pt-BR" smtClean="0"/>
-              <a:t>05/10/2020</a:t>
+              <a:t>07/10/2020</a:t>
             </a:fld>
             <a:endParaRPr lang="pt-BR"/>
           </a:p>
@@ -2327,7 +2327,7 @@
           <a:p>
             <a:fld id="{F5EB898D-A655-4B60-9070-B87E7C0538D4}" type="datetimeFigureOut">
               <a:rPr lang="pt-BR" smtClean="0"/>
-              <a:t>05/10/2020</a:t>
+              <a:t>07/10/2020</a:t>
             </a:fld>
             <a:endParaRPr lang="pt-BR"/>
           </a:p>
@@ -2592,7 +2592,7 @@
           <a:p>
             <a:fld id="{F5EB898D-A655-4B60-9070-B87E7C0538D4}" type="datetimeFigureOut">
               <a:rPr lang="pt-BR" smtClean="0"/>
-              <a:t>05/10/2020</a:t>
+              <a:t>07/10/2020</a:t>
             </a:fld>
             <a:endParaRPr lang="pt-BR"/>
           </a:p>
@@ -3004,7 +3004,7 @@
           <a:p>
             <a:fld id="{F5EB898D-A655-4B60-9070-B87E7C0538D4}" type="datetimeFigureOut">
               <a:rPr lang="pt-BR" smtClean="0"/>
-              <a:t>05/10/2020</a:t>
+              <a:t>07/10/2020</a:t>
             </a:fld>
             <a:endParaRPr lang="pt-BR"/>
           </a:p>
@@ -3145,7 +3145,7 @@
           <a:p>
             <a:fld id="{F5EB898D-A655-4B60-9070-B87E7C0538D4}" type="datetimeFigureOut">
               <a:rPr lang="pt-BR" smtClean="0"/>
-              <a:t>05/10/2020</a:t>
+              <a:t>07/10/2020</a:t>
             </a:fld>
             <a:endParaRPr lang="pt-BR"/>
           </a:p>
@@ -3258,7 +3258,7 @@
           <a:p>
             <a:fld id="{F5EB898D-A655-4B60-9070-B87E7C0538D4}" type="datetimeFigureOut">
               <a:rPr lang="pt-BR" smtClean="0"/>
-              <a:t>05/10/2020</a:t>
+              <a:t>07/10/2020</a:t>
             </a:fld>
             <a:endParaRPr lang="pt-BR"/>
           </a:p>
@@ -3569,7 +3569,7 @@
           <a:p>
             <a:fld id="{F5EB898D-A655-4B60-9070-B87E7C0538D4}" type="datetimeFigureOut">
               <a:rPr lang="pt-BR" smtClean="0"/>
-              <a:t>05/10/2020</a:t>
+              <a:t>07/10/2020</a:t>
             </a:fld>
             <a:endParaRPr lang="pt-BR"/>
           </a:p>
@@ -3857,7 +3857,7 @@
           <a:p>
             <a:fld id="{F5EB898D-A655-4B60-9070-B87E7C0538D4}" type="datetimeFigureOut">
               <a:rPr lang="pt-BR" smtClean="0"/>
-              <a:t>05/10/2020</a:t>
+              <a:t>07/10/2020</a:t>
             </a:fld>
             <a:endParaRPr lang="pt-BR"/>
           </a:p>
@@ -4098,7 +4098,7 @@
           <a:p>
             <a:fld id="{F5EB898D-A655-4B60-9070-B87E7C0538D4}" type="datetimeFigureOut">
               <a:rPr lang="pt-BR" smtClean="0"/>
-              <a:t>05/10/2020</a:t>
+              <a:t>07/10/2020</a:t>
             </a:fld>
             <a:endParaRPr lang="pt-BR"/>
           </a:p>
@@ -4543,7 +4543,7 @@
         </p:blipFill>
         <p:spPr>
           <a:xfrm>
-            <a:off x="3762211" y="2195315"/>
+            <a:off x="4742720" y="2207266"/>
             <a:ext cx="2182216" cy="2110409"/>
           </a:xfrm>
           <a:prstGeom prst="rect">
@@ -4565,7 +4565,7 @@
         </p:nvGrpSpPr>
         <p:grpSpPr>
           <a:xfrm>
-            <a:off x="604350" y="3488055"/>
+            <a:off x="819829" y="274953"/>
             <a:ext cx="1778484" cy="1635338"/>
             <a:chOff x="5289727" y="104433"/>
             <a:chExt cx="1778484" cy="1635338"/>
@@ -4680,194 +4680,6 @@
           </p:spPr>
         </p:pic>
       </p:grpSp>
-      <p:pic>
-        <p:nvPicPr>
-          <p:cNvPr id="2050" name="Picture 2">
-            <a:extLst>
-              <a:ext uri="{FF2B5EF4-FFF2-40B4-BE49-F238E27FC236}">
-                <a16:creationId xmlns:a16="http://schemas.microsoft.com/office/drawing/2014/main" id="{BCBCDFAE-F102-4F2C-A763-C535754511B9}"/>
-              </a:ext>
-            </a:extLst>
-          </p:cNvPr>
-          <p:cNvPicPr>
-            <a:picLocks noChangeAspect="1" noChangeArrowheads="1"/>
-          </p:cNvPicPr>
-          <p:nvPr/>
-        </p:nvPicPr>
-        <p:blipFill>
-          <a:blip r:embed="rId6">
-            <a:extLst>
-              <a:ext uri="{28A0092B-C50C-407E-A947-70E740481C1C}">
-                <a14:useLocalDpi xmlns:a14="http://schemas.microsoft.com/office/drawing/2010/main" val="0"/>
-              </a:ext>
-            </a:extLst>
-          </a:blip>
-          <a:srcRect/>
-          <a:stretch>
-            <a:fillRect/>
-          </a:stretch>
-        </p:blipFill>
-        <p:spPr bwMode="auto">
-          <a:xfrm rot="10371036" flipV="1">
-            <a:off x="1649561" y="1412621"/>
-            <a:ext cx="940527" cy="571798"/>
-          </a:xfrm>
-          <a:prstGeom prst="rect">
-            <a:avLst/>
-          </a:prstGeom>
-          <a:noFill/>
-          <a:extLst>
-            <a:ext uri="{909E8E84-426E-40DD-AFC4-6F175D3DCCD1}">
-              <a14:hiddenFill xmlns:a14="http://schemas.microsoft.com/office/drawing/2010/main">
-                <a:solidFill>
-                  <a:srgbClr val="FFFFFF"/>
-                </a:solidFill>
-              </a14:hiddenFill>
-            </a:ext>
-          </a:extLst>
-        </p:spPr>
-      </p:pic>
-      <p:pic>
-        <p:nvPicPr>
-          <p:cNvPr id="2" name="Picture 2">
-            <a:extLst>
-              <a:ext uri="{FF2B5EF4-FFF2-40B4-BE49-F238E27FC236}">
-                <a16:creationId xmlns:a16="http://schemas.microsoft.com/office/drawing/2014/main" id="{A8B6FA33-2990-4E5B-9F6D-66D07DA8152F}"/>
-              </a:ext>
-            </a:extLst>
-          </p:cNvPr>
-          <p:cNvPicPr>
-            <a:picLocks noChangeAspect="1" noChangeArrowheads="1"/>
-          </p:cNvPicPr>
-          <p:nvPr/>
-        </p:nvPicPr>
-        <p:blipFill>
-          <a:blip r:embed="rId6">
-            <a:extLst>
-              <a:ext uri="{28A0092B-C50C-407E-A947-70E740481C1C}">
-                <a14:useLocalDpi xmlns:a14="http://schemas.microsoft.com/office/drawing/2010/main" val="0"/>
-              </a:ext>
-            </a:extLst>
-          </a:blip>
-          <a:srcRect/>
-          <a:stretch>
-            <a:fillRect/>
-          </a:stretch>
-        </p:blipFill>
-        <p:spPr bwMode="auto">
-          <a:xfrm rot="15333447" flipV="1">
-            <a:off x="3991649" y="1783725"/>
-            <a:ext cx="774611" cy="571798"/>
-          </a:xfrm>
-          <a:prstGeom prst="rect">
-            <a:avLst/>
-          </a:prstGeom>
-          <a:noFill/>
-          <a:extLst>
-            <a:ext uri="{909E8E84-426E-40DD-AFC4-6F175D3DCCD1}">
-              <a14:hiddenFill xmlns:a14="http://schemas.microsoft.com/office/drawing/2010/main">
-                <a:solidFill>
-                  <a:srgbClr val="FFFFFF"/>
-                </a:solidFill>
-              </a14:hiddenFill>
-            </a:ext>
-          </a:extLst>
-        </p:spPr>
-      </p:pic>
-      <p:pic>
-        <p:nvPicPr>
-          <p:cNvPr id="4" name="Picture 2">
-            <a:extLst>
-              <a:ext uri="{FF2B5EF4-FFF2-40B4-BE49-F238E27FC236}">
-                <a16:creationId xmlns:a16="http://schemas.microsoft.com/office/drawing/2014/main" id="{D1298C77-30FA-466A-993F-2F73F87BE0A9}"/>
-              </a:ext>
-            </a:extLst>
-          </p:cNvPr>
-          <p:cNvPicPr>
-            <a:picLocks noChangeAspect="1" noChangeArrowheads="1"/>
-          </p:cNvPicPr>
-          <p:nvPr/>
-        </p:nvPicPr>
-        <p:blipFill>
-          <a:blip r:embed="rId6">
-            <a:extLst>
-              <a:ext uri="{28A0092B-C50C-407E-A947-70E740481C1C}">
-                <a14:useLocalDpi xmlns:a14="http://schemas.microsoft.com/office/drawing/2010/main" val="0"/>
-              </a:ext>
-            </a:extLst>
-          </a:blip>
-          <a:srcRect/>
-          <a:stretch>
-            <a:fillRect/>
-          </a:stretch>
-        </p:blipFill>
-        <p:spPr bwMode="auto">
-          <a:xfrm rot="1792534" flipH="1" flipV="1">
-            <a:off x="4916191" y="4210356"/>
-            <a:ext cx="935938" cy="620286"/>
-          </a:xfrm>
-          <a:prstGeom prst="rect">
-            <a:avLst/>
-          </a:prstGeom>
-          <a:noFill/>
-          <a:extLst>
-            <a:ext uri="{909E8E84-426E-40DD-AFC4-6F175D3DCCD1}">
-              <a14:hiddenFill xmlns:a14="http://schemas.microsoft.com/office/drawing/2010/main">
-                <a:solidFill>
-                  <a:srgbClr val="FFFFFF"/>
-                </a:solidFill>
-              </a14:hiddenFill>
-            </a:ext>
-          </a:extLst>
-        </p:spPr>
-      </p:pic>
-      <p:pic>
-        <p:nvPicPr>
-          <p:cNvPr id="5" name="Picture 2">
-            <a:extLst>
-              <a:ext uri="{FF2B5EF4-FFF2-40B4-BE49-F238E27FC236}">
-                <a16:creationId xmlns:a16="http://schemas.microsoft.com/office/drawing/2014/main" id="{B10E0BA4-F09F-42F5-B7E4-CFBFE31ECDA9}"/>
-              </a:ext>
-            </a:extLst>
-          </p:cNvPr>
-          <p:cNvPicPr>
-            <a:picLocks noChangeAspect="1" noChangeArrowheads="1"/>
-          </p:cNvPicPr>
-          <p:nvPr/>
-        </p:nvPicPr>
-        <p:blipFill>
-          <a:blip r:embed="rId6">
-            <a:extLst>
-              <a:ext uri="{28A0092B-C50C-407E-A947-70E740481C1C}">
-                <a14:useLocalDpi xmlns:a14="http://schemas.microsoft.com/office/drawing/2010/main" val="0"/>
-              </a:ext>
-            </a:extLst>
-          </a:blip>
-          <a:srcRect/>
-          <a:stretch>
-            <a:fillRect/>
-          </a:stretch>
-        </p:blipFill>
-        <p:spPr bwMode="auto">
-          <a:xfrm rot="5701059">
-            <a:off x="10130315" y="3269027"/>
-            <a:ext cx="1277143" cy="1221046"/>
-          </a:xfrm>
-          <a:prstGeom prst="rect">
-            <a:avLst/>
-          </a:prstGeom>
-          <a:noFill/>
-          <a:extLst>
-            <a:ext uri="{909E8E84-426E-40DD-AFC4-6F175D3DCCD1}">
-              <a14:hiddenFill xmlns:a14="http://schemas.microsoft.com/office/drawing/2010/main">
-                <a:solidFill>
-                  <a:srgbClr val="FFFFFF"/>
-                </a:solidFill>
-              </a14:hiddenFill>
-            </a:ext>
-          </a:extLst>
-        </p:spPr>
-      </p:pic>
       <p:sp>
         <p:nvSpPr>
           <p:cNvPr id="9" name="CaixaDeTexto 8">
@@ -4882,7 +4694,7 @@
         </p:nvSpPr>
         <p:spPr>
           <a:xfrm>
-            <a:off x="50828" y="5321510"/>
+            <a:off x="173654" y="1909763"/>
             <a:ext cx="3270960" cy="400110"/>
           </a:xfrm>
           <a:prstGeom prst="rect">
@@ -4891,7 +4703,7 @@
           <a:noFill/>
         </p:spPr>
         <p:txBody>
-          <a:bodyPr wrap="none" rtlCol="0">
+          <a:bodyPr wrap="square" rtlCol="0">
             <a:spAutoFit/>
           </a:bodyPr>
           <a:lstStyle/>
@@ -4961,7 +4773,7 @@
         </p:nvSpPr>
         <p:spPr>
           <a:xfrm>
-            <a:off x="2751353" y="2101989"/>
+            <a:off x="2443393" y="5777916"/>
             <a:ext cx="952505" cy="400110"/>
           </a:xfrm>
           <a:prstGeom prst="rect">
@@ -5003,7 +4815,7 @@
         </p:nvSpPr>
         <p:spPr>
           <a:xfrm>
-            <a:off x="7081622" y="5324191"/>
+            <a:off x="8489142" y="2241573"/>
             <a:ext cx="3084499" cy="400110"/>
           </a:xfrm>
           <a:prstGeom prst="rect">
@@ -5045,8 +4857,8 @@
         </p:nvSpPr>
         <p:spPr>
           <a:xfrm>
-            <a:off x="5861786" y="3195095"/>
-            <a:ext cx="3671198" cy="400110"/>
+            <a:off x="4802608" y="3875059"/>
+            <a:ext cx="1955985" cy="707886"/>
           </a:xfrm>
           <a:prstGeom prst="rect">
             <a:avLst/>
@@ -5064,7 +4876,16 @@
                 <a:latin typeface="Fredoka One" panose="02000000000000000000" pitchFamily="2" charset="0"/>
                 <a:cs typeface="Times New Roman" panose="02020603050405020304" pitchFamily="18" charset="0"/>
               </a:rPr>
-              <a:t>Armazenamento em nuvem </a:t>
+              <a:t>Armazenamento</a:t>
+            </a:r>
+          </a:p>
+          <a:p>
+            <a:r>
+              <a:rPr lang="pt-BR" sz="2000" b="1" dirty="0">
+                <a:latin typeface="Fredoka One" panose="02000000000000000000" pitchFamily="2" charset="0"/>
+                <a:cs typeface="Times New Roman" panose="02020603050405020304" pitchFamily="18" charset="0"/>
+              </a:rPr>
+              <a:t> em nuvem </a:t>
             </a:r>
             <a:endParaRPr lang="pt-BR" sz="2000" b="1" dirty="0">
               <a:latin typeface="Times New Roman" panose="02020603050405020304" pitchFamily="18" charset="0"/>
@@ -5087,7 +4908,7 @@
         </p:nvGrpSpPr>
         <p:grpSpPr>
           <a:xfrm>
-            <a:off x="7180330" y="4024755"/>
+            <a:off x="8412828" y="1036536"/>
             <a:ext cx="2552732" cy="1309339"/>
             <a:chOff x="7086425" y="3910464"/>
             <a:chExt cx="2552732" cy="1309339"/>
@@ -5108,7 +4929,7 @@
             <p:nvPr/>
           </p:nvPicPr>
           <p:blipFill>
-            <a:blip r:embed="rId7">
+            <a:blip r:embed="rId6">
               <a:extLst>
                 <a:ext uri="{28A0092B-C50C-407E-A947-70E740481C1C}">
                   <a14:useLocalDpi xmlns:a14="http://schemas.microsoft.com/office/drawing/2010/main" val="0"/>
@@ -5144,7 +4965,7 @@
             <p:nvPr/>
           </p:nvPicPr>
           <p:blipFill>
-            <a:blip r:embed="rId8">
+            <a:blip r:embed="rId7">
               <a:extLst>
                 <a:ext uri="{28A0092B-C50C-407E-A947-70E740481C1C}">
                   <a14:useLocalDpi xmlns:a14="http://schemas.microsoft.com/office/drawing/2010/main" val="0"/>
@@ -5181,13 +5002,13 @@
           <p:nvPr/>
         </p:nvPicPr>
         <p:blipFill>
-          <a:blip r:embed="rId9">
+          <a:blip r:embed="rId8">
             <a:extLst>
               <a:ext uri="{28A0092B-C50C-407E-A947-70E740481C1C}">
                 <a14:useLocalDpi xmlns:a14="http://schemas.microsoft.com/office/drawing/2010/main" val="0"/>
               </a:ext>
               <a:ext uri="{96DAC541-7B7A-43D3-8B79-37D633B846F1}">
-                <asvg:svgBlip xmlns:asvg="http://schemas.microsoft.com/office/drawing/2016/SVG/main" r:embed="rId10"/>
+                <asvg:svgBlip xmlns:asvg="http://schemas.microsoft.com/office/drawing/2016/SVG/main" r:embed="rId9"/>
               </a:ext>
             </a:extLst>
           </a:blip>
@@ -5197,7 +5018,7 @@
         </p:blipFill>
         <p:spPr>
           <a:xfrm>
-            <a:off x="994551" y="2055073"/>
+            <a:off x="1084029" y="3366164"/>
             <a:ext cx="914400" cy="914400"/>
           </a:xfrm>
           <a:prstGeom prst="rect">
@@ -5220,13 +5041,13 @@
           <p:nvPr/>
         </p:nvPicPr>
         <p:blipFill>
-          <a:blip r:embed="rId11">
+          <a:blip r:embed="rId10">
             <a:extLst>
               <a:ext uri="{28A0092B-C50C-407E-A947-70E740481C1C}">
                 <a14:useLocalDpi xmlns:a14="http://schemas.microsoft.com/office/drawing/2010/main" val="0"/>
               </a:ext>
               <a:ext uri="{96DAC541-7B7A-43D3-8B79-37D633B846F1}">
-                <asvg:svgBlip xmlns:asvg="http://schemas.microsoft.com/office/drawing/2016/SVG/main" r:embed="rId12"/>
+                <asvg:svgBlip xmlns:asvg="http://schemas.microsoft.com/office/drawing/2016/SVG/main" r:embed="rId11"/>
               </a:ext>
             </a:extLst>
           </a:blip>
@@ -5236,7 +5057,7 @@
         </p:blipFill>
         <p:spPr>
           <a:xfrm>
-            <a:off x="4342892" y="2908964"/>
+            <a:off x="5323401" y="2920915"/>
             <a:ext cx="914400" cy="914400"/>
           </a:xfrm>
           <a:prstGeom prst="rect">
@@ -5246,10 +5067,10 @@
       </p:pic>
       <p:grpSp>
         <p:nvGrpSpPr>
-          <p:cNvPr id="68" name="Agrupar 67">
-            <a:extLst>
-              <a:ext uri="{FF2B5EF4-FFF2-40B4-BE49-F238E27FC236}">
-                <a16:creationId xmlns:a16="http://schemas.microsoft.com/office/drawing/2014/main" id="{D29CD509-CBB9-4F9A-AFE8-94390C30CFD7}"/>
+          <p:cNvPr id="6" name="Agrupar 5">
+            <a:extLst>
+              <a:ext uri="{FF2B5EF4-FFF2-40B4-BE49-F238E27FC236}">
+                <a16:creationId xmlns:a16="http://schemas.microsoft.com/office/drawing/2014/main" id="{4E4185B2-2824-4FAD-BE7D-77D284C76E52}"/>
               </a:ext>
             </a:extLst>
           </p:cNvPr>
@@ -5258,7 +5079,379 @@
         </p:nvGrpSpPr>
         <p:grpSpPr>
           <a:xfrm>
-            <a:off x="6432544" y="484703"/>
+            <a:off x="2408077" y="4528711"/>
+            <a:ext cx="1238021" cy="1267319"/>
+            <a:chOff x="2922664" y="881861"/>
+            <a:chExt cx="1238021" cy="1267319"/>
+          </a:xfrm>
+        </p:grpSpPr>
+        <p:pic>
+          <p:nvPicPr>
+            <p:cNvPr id="90" name="Gráfico 89" descr="Dado">
+              <a:extLst>
+                <a:ext uri="{FF2B5EF4-FFF2-40B4-BE49-F238E27FC236}">
+                  <a16:creationId xmlns:a16="http://schemas.microsoft.com/office/drawing/2014/main" id="{F504AFFC-53E4-4587-BF11-1D345BB8E2A9}"/>
+                </a:ext>
+              </a:extLst>
+            </p:cNvPr>
+            <p:cNvPicPr>
+              <a:picLocks noChangeAspect="1"/>
+            </p:cNvPicPr>
+            <p:nvPr/>
+          </p:nvPicPr>
+          <p:blipFill>
+            <a:blip r:embed="rId12">
+              <a:extLst>
+                <a:ext uri="{28A0092B-C50C-407E-A947-70E740481C1C}">
+                  <a14:useLocalDpi xmlns:a14="http://schemas.microsoft.com/office/drawing/2010/main" val="0"/>
+                </a:ext>
+                <a:ext uri="{96DAC541-7B7A-43D3-8B79-37D633B846F1}">
+                  <asvg:svgBlip xmlns:asvg="http://schemas.microsoft.com/office/drawing/2016/SVG/main" r:embed="rId13"/>
+                </a:ext>
+              </a:extLst>
+            </a:blip>
+            <a:stretch>
+              <a:fillRect/>
+            </a:stretch>
+          </p:blipFill>
+          <p:spPr>
+            <a:xfrm>
+              <a:off x="2922664" y="1234780"/>
+              <a:ext cx="914400" cy="914400"/>
+            </a:xfrm>
+            <a:prstGeom prst="rect">
+              <a:avLst/>
+            </a:prstGeom>
+          </p:spPr>
+        </p:pic>
+        <p:pic>
+          <p:nvPicPr>
+            <p:cNvPr id="93" name="Gráfico 92" descr="Seta circular">
+              <a:extLst>
+                <a:ext uri="{FF2B5EF4-FFF2-40B4-BE49-F238E27FC236}">
+                  <a16:creationId xmlns:a16="http://schemas.microsoft.com/office/drawing/2014/main" id="{56D1E134-C41C-4EBC-8B2F-F2380A795538}"/>
+                </a:ext>
+              </a:extLst>
+            </p:cNvPr>
+            <p:cNvPicPr>
+              <a:picLocks noChangeAspect="1"/>
+            </p:cNvPicPr>
+            <p:nvPr/>
+          </p:nvPicPr>
+          <p:blipFill>
+            <a:blip r:embed="rId14">
+              <a:extLst>
+                <a:ext uri="{28A0092B-C50C-407E-A947-70E740481C1C}">
+                  <a14:useLocalDpi xmlns:a14="http://schemas.microsoft.com/office/drawing/2010/main" val="0"/>
+                </a:ext>
+                <a:ext uri="{96DAC541-7B7A-43D3-8B79-37D633B846F1}">
+                  <asvg:svgBlip xmlns:asvg="http://schemas.microsoft.com/office/drawing/2016/SVG/main" r:embed="rId15"/>
+                </a:ext>
+              </a:extLst>
+            </a:blip>
+            <a:stretch>
+              <a:fillRect/>
+            </a:stretch>
+          </p:blipFill>
+          <p:spPr>
+            <a:xfrm>
+              <a:off x="3246285" y="881861"/>
+              <a:ext cx="914400" cy="914400"/>
+            </a:xfrm>
+            <a:prstGeom prst="rect">
+              <a:avLst/>
+            </a:prstGeom>
+          </p:spPr>
+        </p:pic>
+      </p:grpSp>
+      <p:pic>
+        <p:nvPicPr>
+          <p:cNvPr id="95" name="Gráfico 94" descr="Roteador sem fio">
+            <a:extLst>
+              <a:ext uri="{FF2B5EF4-FFF2-40B4-BE49-F238E27FC236}">
+                <a16:creationId xmlns:a16="http://schemas.microsoft.com/office/drawing/2014/main" id="{7F1CC6C2-6A92-4306-84EE-BED9E41A1162}"/>
+              </a:ext>
+            </a:extLst>
+          </p:cNvPr>
+          <p:cNvPicPr>
+            <a:picLocks noChangeAspect="1"/>
+          </p:cNvPicPr>
+          <p:nvPr/>
+        </p:nvPicPr>
+        <p:blipFill>
+          <a:blip r:embed="rId8">
+            <a:extLst>
+              <a:ext uri="{28A0092B-C50C-407E-A947-70E740481C1C}">
+                <a14:useLocalDpi xmlns:a14="http://schemas.microsoft.com/office/drawing/2010/main" val="0"/>
+              </a:ext>
+              <a:ext uri="{96DAC541-7B7A-43D3-8B79-37D633B846F1}">
+                <asvg:svgBlip xmlns:asvg="http://schemas.microsoft.com/office/drawing/2016/SVG/main" r:embed="rId9"/>
+              </a:ext>
+            </a:extLst>
+          </a:blip>
+          <a:stretch>
+            <a:fillRect/>
+          </a:stretch>
+        </p:blipFill>
+        <p:spPr>
+          <a:xfrm>
+            <a:off x="6458606" y="948062"/>
+            <a:ext cx="914400" cy="914400"/>
+          </a:xfrm>
+          <a:prstGeom prst="rect">
+            <a:avLst/>
+          </a:prstGeom>
+        </p:spPr>
+      </p:pic>
+      <p:pic>
+        <p:nvPicPr>
+          <p:cNvPr id="14" name="Gráfico 13" descr="Seta para Cima">
+            <a:extLst>
+              <a:ext uri="{FF2B5EF4-FFF2-40B4-BE49-F238E27FC236}">
+                <a16:creationId xmlns:a16="http://schemas.microsoft.com/office/drawing/2014/main" id="{B300B4AC-1E56-4BCA-8017-60132D57C423}"/>
+              </a:ext>
+            </a:extLst>
+          </p:cNvPr>
+          <p:cNvPicPr>
+            <a:picLocks noChangeAspect="1"/>
+          </p:cNvPicPr>
+          <p:nvPr/>
+        </p:nvPicPr>
+        <p:blipFill>
+          <a:blip r:embed="rId16">
+            <a:extLst>
+              <a:ext uri="{28A0092B-C50C-407E-A947-70E740481C1C}">
+                <a14:useLocalDpi xmlns:a14="http://schemas.microsoft.com/office/drawing/2010/main" val="0"/>
+              </a:ext>
+              <a:ext uri="{96DAC541-7B7A-43D3-8B79-37D633B846F1}">
+                <asvg:svgBlip xmlns:asvg="http://schemas.microsoft.com/office/drawing/2016/SVG/main" r:embed="rId17"/>
+              </a:ext>
+            </a:extLst>
+          </a:blip>
+          <a:stretch>
+            <a:fillRect/>
+          </a:stretch>
+        </p:blipFill>
+        <p:spPr>
+          <a:xfrm rot="10800000">
+            <a:off x="1103977" y="2515101"/>
+            <a:ext cx="806625" cy="806625"/>
+          </a:xfrm>
+          <a:prstGeom prst="rect">
+            <a:avLst/>
+          </a:prstGeom>
+        </p:spPr>
+      </p:pic>
+      <p:pic>
+        <p:nvPicPr>
+          <p:cNvPr id="17" name="Gráfico 16" descr="Seta de linha: curva no sentido horário">
+            <a:extLst>
+              <a:ext uri="{FF2B5EF4-FFF2-40B4-BE49-F238E27FC236}">
+                <a16:creationId xmlns:a16="http://schemas.microsoft.com/office/drawing/2014/main" id="{40748C83-079A-4FC0-AC06-49EB2E94B7BC}"/>
+              </a:ext>
+            </a:extLst>
+          </p:cNvPr>
+          <p:cNvPicPr>
+            <a:picLocks noChangeAspect="1"/>
+          </p:cNvPicPr>
+          <p:nvPr/>
+        </p:nvPicPr>
+        <p:blipFill>
+          <a:blip r:embed="rId18">
+            <a:extLst>
+              <a:ext uri="{28A0092B-C50C-407E-A947-70E740481C1C}">
+                <a14:useLocalDpi xmlns:a14="http://schemas.microsoft.com/office/drawing/2010/main" val="0"/>
+              </a:ext>
+              <a:ext uri="{96DAC541-7B7A-43D3-8B79-37D633B846F1}">
+                <asvg:svgBlip xmlns:asvg="http://schemas.microsoft.com/office/drawing/2016/SVG/main" r:embed="rId19"/>
+              </a:ext>
+            </a:extLst>
+          </a:blip>
+          <a:stretch>
+            <a:fillRect/>
+          </a:stretch>
+        </p:blipFill>
+        <p:spPr>
+          <a:xfrm rot="6360192" flipH="1">
+            <a:off x="1371426" y="4266303"/>
+            <a:ext cx="1022789" cy="1036210"/>
+          </a:xfrm>
+          <a:prstGeom prst="rect">
+            <a:avLst/>
+          </a:prstGeom>
+        </p:spPr>
+      </p:pic>
+      <p:pic>
+        <p:nvPicPr>
+          <p:cNvPr id="24" name="Gráfico 23" descr="Seta de linha: curva no sentido horário">
+            <a:extLst>
+              <a:ext uri="{FF2B5EF4-FFF2-40B4-BE49-F238E27FC236}">
+                <a16:creationId xmlns:a16="http://schemas.microsoft.com/office/drawing/2014/main" id="{CFEFC685-8247-48E6-85B8-B883F989ABE2}"/>
+              </a:ext>
+            </a:extLst>
+          </p:cNvPr>
+          <p:cNvPicPr>
+            <a:picLocks noChangeAspect="1"/>
+          </p:cNvPicPr>
+          <p:nvPr/>
+        </p:nvPicPr>
+        <p:blipFill>
+          <a:blip r:embed="rId18">
+            <a:extLst>
+              <a:ext uri="{28A0092B-C50C-407E-A947-70E740481C1C}">
+                <a14:useLocalDpi xmlns:a14="http://schemas.microsoft.com/office/drawing/2010/main" val="0"/>
+              </a:ext>
+              <a:ext uri="{96DAC541-7B7A-43D3-8B79-37D633B846F1}">
+                <asvg:svgBlip xmlns:asvg="http://schemas.microsoft.com/office/drawing/2016/SVG/main" r:embed="rId19"/>
+              </a:ext>
+            </a:extLst>
+          </a:blip>
+          <a:stretch>
+            <a:fillRect/>
+          </a:stretch>
+        </p:blipFill>
+        <p:spPr>
+          <a:xfrm rot="2239208" flipH="1">
+            <a:off x="3847998" y="4395554"/>
+            <a:ext cx="989010" cy="1045162"/>
+          </a:xfrm>
+          <a:prstGeom prst="rect">
+            <a:avLst/>
+          </a:prstGeom>
+        </p:spPr>
+      </p:pic>
+      <p:pic>
+        <p:nvPicPr>
+          <p:cNvPr id="25" name="Gráfico 24" descr="Seta de linha: curva no sentido horário">
+            <a:extLst>
+              <a:ext uri="{FF2B5EF4-FFF2-40B4-BE49-F238E27FC236}">
+                <a16:creationId xmlns:a16="http://schemas.microsoft.com/office/drawing/2014/main" id="{8A0E14C2-31B2-44B6-8F03-CC437CD97C4F}"/>
+              </a:ext>
+            </a:extLst>
+          </p:cNvPr>
+          <p:cNvPicPr>
+            <a:picLocks noChangeAspect="1"/>
+          </p:cNvPicPr>
+          <p:nvPr/>
+        </p:nvPicPr>
+        <p:blipFill>
+          <a:blip r:embed="rId18">
+            <a:extLst>
+              <a:ext uri="{28A0092B-C50C-407E-A947-70E740481C1C}">
+                <a14:useLocalDpi xmlns:a14="http://schemas.microsoft.com/office/drawing/2010/main" val="0"/>
+              </a:ext>
+              <a:ext uri="{96DAC541-7B7A-43D3-8B79-37D633B846F1}">
+                <asvg:svgBlip xmlns:asvg="http://schemas.microsoft.com/office/drawing/2016/SVG/main" r:embed="rId19"/>
+              </a:ext>
+            </a:extLst>
+          </a:blip>
+          <a:stretch>
+            <a:fillRect/>
+          </a:stretch>
+        </p:blipFill>
+        <p:spPr>
+          <a:xfrm rot="4277352">
+            <a:off x="5466244" y="1249439"/>
+            <a:ext cx="966590" cy="1248802"/>
+          </a:xfrm>
+          <a:prstGeom prst="rect">
+            <a:avLst/>
+          </a:prstGeom>
+        </p:spPr>
+      </p:pic>
+      <p:pic>
+        <p:nvPicPr>
+          <p:cNvPr id="26" name="Gráfico 25" descr="Seta de linha: curva no sentido horário">
+            <a:extLst>
+              <a:ext uri="{FF2B5EF4-FFF2-40B4-BE49-F238E27FC236}">
+                <a16:creationId xmlns:a16="http://schemas.microsoft.com/office/drawing/2014/main" id="{C5863CBC-EF55-4882-87C7-774DDA4EF2FF}"/>
+              </a:ext>
+            </a:extLst>
+          </p:cNvPr>
+          <p:cNvPicPr>
+            <a:picLocks noChangeAspect="1"/>
+          </p:cNvPicPr>
+          <p:nvPr/>
+        </p:nvPicPr>
+        <p:blipFill>
+          <a:blip r:embed="rId18">
+            <a:extLst>
+              <a:ext uri="{28A0092B-C50C-407E-A947-70E740481C1C}">
+                <a14:useLocalDpi xmlns:a14="http://schemas.microsoft.com/office/drawing/2010/main" val="0"/>
+              </a:ext>
+              <a:ext uri="{96DAC541-7B7A-43D3-8B79-37D633B846F1}">
+                <asvg:svgBlip xmlns:asvg="http://schemas.microsoft.com/office/drawing/2016/SVG/main" r:embed="rId19"/>
+              </a:ext>
+            </a:extLst>
+          </a:blip>
+          <a:stretch>
+            <a:fillRect/>
+          </a:stretch>
+        </p:blipFill>
+        <p:spPr>
+          <a:xfrm rot="6588971">
+            <a:off x="7480832" y="696646"/>
+            <a:ext cx="739297" cy="1221887"/>
+          </a:xfrm>
+          <a:prstGeom prst="rect">
+            <a:avLst/>
+          </a:prstGeom>
+        </p:spPr>
+      </p:pic>
+      <p:pic>
+        <p:nvPicPr>
+          <p:cNvPr id="2051" name="Gráfico 2050" descr="Seta de linha: curva no sentido horário">
+            <a:extLst>
+              <a:ext uri="{FF2B5EF4-FFF2-40B4-BE49-F238E27FC236}">
+                <a16:creationId xmlns:a16="http://schemas.microsoft.com/office/drawing/2014/main" id="{3E470B5E-A7C2-4009-A6EA-77B70F58A644}"/>
+              </a:ext>
+            </a:extLst>
+          </p:cNvPr>
+          <p:cNvPicPr>
+            <a:picLocks noChangeAspect="1"/>
+          </p:cNvPicPr>
+          <p:nvPr/>
+        </p:nvPicPr>
+        <p:blipFill>
+          <a:blip r:embed="rId18">
+            <a:extLst>
+              <a:ext uri="{28A0092B-C50C-407E-A947-70E740481C1C}">
+                <a14:useLocalDpi xmlns:a14="http://schemas.microsoft.com/office/drawing/2010/main" val="0"/>
+              </a:ext>
+              <a:ext uri="{96DAC541-7B7A-43D3-8B79-37D633B846F1}">
+                <asvg:svgBlip xmlns:asvg="http://schemas.microsoft.com/office/drawing/2016/SVG/main" r:embed="rId19"/>
+              </a:ext>
+            </a:extLst>
+          </a:blip>
+          <a:stretch>
+            <a:fillRect/>
+          </a:stretch>
+        </p:blipFill>
+        <p:spPr>
+          <a:xfrm rot="11637052">
+            <a:off x="10283525" y="2722050"/>
+            <a:ext cx="971078" cy="1254600"/>
+          </a:xfrm>
+          <a:prstGeom prst="rect">
+            <a:avLst/>
+          </a:prstGeom>
+        </p:spPr>
+      </p:pic>
+      <p:grpSp>
+        <p:nvGrpSpPr>
+          <p:cNvPr id="98" name="Agrupar 97">
+            <a:extLst>
+              <a:ext uri="{FF2B5EF4-FFF2-40B4-BE49-F238E27FC236}">
+                <a16:creationId xmlns:a16="http://schemas.microsoft.com/office/drawing/2014/main" id="{F54E7276-AEA4-4371-92FA-8BE14F2DFBF0}"/>
+              </a:ext>
+            </a:extLst>
+          </p:cNvPr>
+          <p:cNvGrpSpPr/>
+          <p:nvPr/>
+        </p:nvGrpSpPr>
+        <p:grpSpPr>
+          <a:xfrm>
+            <a:off x="6775090" y="4495102"/>
             <a:ext cx="2874317" cy="1584921"/>
             <a:chOff x="5430237" y="637154"/>
             <a:chExt cx="3035693" cy="1737490"/>
@@ -5266,10 +5459,10 @@
         </p:grpSpPr>
         <p:sp>
           <p:nvSpPr>
-            <p:cNvPr id="2057" name="Retângulo 2056">
+            <p:cNvPr id="100" name="Retângulo 99">
               <a:extLst>
                 <a:ext uri="{FF2B5EF4-FFF2-40B4-BE49-F238E27FC236}">
-                  <a16:creationId xmlns:a16="http://schemas.microsoft.com/office/drawing/2014/main" id="{8147BD09-1BC5-4E9C-B719-CCFE07D50587}"/>
+                  <a16:creationId xmlns:a16="http://schemas.microsoft.com/office/drawing/2014/main" id="{726DE24A-1FEB-4ECA-BA98-B4A49A01B290}"/>
                 </a:ext>
               </a:extLst>
             </p:cNvPr>
@@ -5318,10 +5511,10 @@
         </p:sp>
         <p:pic>
           <p:nvPicPr>
-            <p:cNvPr id="2059" name="Gráfico 2058" descr="Processador">
+            <p:cNvPr id="101" name="Gráfico 100" descr="Processador">
               <a:extLst>
                 <a:ext uri="{FF2B5EF4-FFF2-40B4-BE49-F238E27FC236}">
-                  <a16:creationId xmlns:a16="http://schemas.microsoft.com/office/drawing/2014/main" id="{BB15ACEC-2AB9-4589-B0A6-E0E50918C985}"/>
+                  <a16:creationId xmlns:a16="http://schemas.microsoft.com/office/drawing/2014/main" id="{D523D40C-DF6C-41F0-9281-5EE36358D6D2}"/>
                 </a:ext>
               </a:extLst>
             </p:cNvPr>
@@ -5331,13 +5524,13 @@
             <p:nvPr/>
           </p:nvPicPr>
           <p:blipFill>
-            <a:blip r:embed="rId13">
+            <a:blip r:embed="rId20">
               <a:extLst>
                 <a:ext uri="{28A0092B-C50C-407E-A947-70E740481C1C}">
                   <a14:useLocalDpi xmlns:a14="http://schemas.microsoft.com/office/drawing/2010/main" val="0"/>
                 </a:ext>
                 <a:ext uri="{96DAC541-7B7A-43D3-8B79-37D633B846F1}">
-                  <asvg:svgBlip xmlns:asvg="http://schemas.microsoft.com/office/drawing/2016/SVG/main" r:embed="rId14"/>
+                  <asvg:svgBlip xmlns:asvg="http://schemas.microsoft.com/office/drawing/2016/SVG/main" r:embed="rId21"/>
                 </a:ext>
               </a:extLst>
             </a:blip>
@@ -5357,10 +5550,10 @@
         </p:pic>
         <p:cxnSp>
           <p:nvCxnSpPr>
-            <p:cNvPr id="69" name="Conector reto 68">
+            <p:cNvPr id="103" name="Conector reto 102">
               <a:extLst>
                 <a:ext uri="{FF2B5EF4-FFF2-40B4-BE49-F238E27FC236}">
-                  <a16:creationId xmlns:a16="http://schemas.microsoft.com/office/drawing/2014/main" id="{01A16EE4-14DC-4A8A-B251-5D7F15A599DF}"/>
+                  <a16:creationId xmlns:a16="http://schemas.microsoft.com/office/drawing/2014/main" id="{FBD3D2DB-4E93-4786-9542-330B1C5ACA83}"/>
                 </a:ext>
               </a:extLst>
             </p:cNvPr>
@@ -5398,10 +5591,10 @@
         </p:cxnSp>
         <p:cxnSp>
           <p:nvCxnSpPr>
-            <p:cNvPr id="72" name="Conector reto 71">
+            <p:cNvPr id="104" name="Conector reto 103">
               <a:extLst>
                 <a:ext uri="{FF2B5EF4-FFF2-40B4-BE49-F238E27FC236}">
-                  <a16:creationId xmlns:a16="http://schemas.microsoft.com/office/drawing/2014/main" id="{05555DC2-B615-470A-95EE-5E0545B84468}"/>
+                  <a16:creationId xmlns:a16="http://schemas.microsoft.com/office/drawing/2014/main" id="{9BE1EC5D-D82E-4FE2-8B7D-10A6920D6B26}"/>
                 </a:ext>
               </a:extLst>
             </p:cNvPr>
@@ -5439,10 +5632,10 @@
         </p:cxnSp>
         <p:cxnSp>
           <p:nvCxnSpPr>
-            <p:cNvPr id="73" name="Conector reto 72">
+            <p:cNvPr id="106" name="Conector reto 105">
               <a:extLst>
                 <a:ext uri="{FF2B5EF4-FFF2-40B4-BE49-F238E27FC236}">
-                  <a16:creationId xmlns:a16="http://schemas.microsoft.com/office/drawing/2014/main" id="{B7A0B45D-8AB0-46B4-9B9E-DA71D1D5902B}"/>
+                  <a16:creationId xmlns:a16="http://schemas.microsoft.com/office/drawing/2014/main" id="{592F3478-6AD8-410A-9C27-BDDAE8E5B04E}"/>
                 </a:ext>
               </a:extLst>
             </p:cNvPr>
@@ -5480,10 +5673,10 @@
         </p:cxnSp>
         <p:cxnSp>
           <p:nvCxnSpPr>
-            <p:cNvPr id="74" name="Conector reto 73">
+            <p:cNvPr id="107" name="Conector reto 106">
               <a:extLst>
                 <a:ext uri="{FF2B5EF4-FFF2-40B4-BE49-F238E27FC236}">
-                  <a16:creationId xmlns:a16="http://schemas.microsoft.com/office/drawing/2014/main" id="{FB78C463-690D-4229-A342-C1F4682E7B3C}"/>
+                  <a16:creationId xmlns:a16="http://schemas.microsoft.com/office/drawing/2014/main" id="{465E7F4B-E44D-44E3-BCAC-8C69EA5BFAB2}"/>
                 </a:ext>
               </a:extLst>
             </p:cNvPr>
@@ -5521,10 +5714,10 @@
         </p:cxnSp>
         <p:cxnSp>
           <p:nvCxnSpPr>
-            <p:cNvPr id="75" name="Conector reto 74">
+            <p:cNvPr id="108" name="Conector reto 107">
               <a:extLst>
                 <a:ext uri="{FF2B5EF4-FFF2-40B4-BE49-F238E27FC236}">
-                  <a16:creationId xmlns:a16="http://schemas.microsoft.com/office/drawing/2014/main" id="{5A547423-5603-4B06-9874-5EA5F072B3E8}"/>
+                  <a16:creationId xmlns:a16="http://schemas.microsoft.com/office/drawing/2014/main" id="{2BC77E14-ABE4-4815-82FA-F51A27274C41}"/>
                 </a:ext>
               </a:extLst>
             </p:cNvPr>
@@ -5560,10 +5753,10 @@
         </p:cxnSp>
         <p:cxnSp>
           <p:nvCxnSpPr>
-            <p:cNvPr id="78" name="Conector reto 77">
+            <p:cNvPr id="110" name="Conector reto 109">
               <a:extLst>
                 <a:ext uri="{FF2B5EF4-FFF2-40B4-BE49-F238E27FC236}">
-                  <a16:creationId xmlns:a16="http://schemas.microsoft.com/office/drawing/2014/main" id="{F2426B55-B87E-400A-8CC2-BF6BF171B351}"/>
+                  <a16:creationId xmlns:a16="http://schemas.microsoft.com/office/drawing/2014/main" id="{5E44396F-F876-46B5-B5CD-FD59C2E0A8A2}"/>
                 </a:ext>
               </a:extLst>
             </p:cNvPr>
@@ -5599,10 +5792,10 @@
         </p:cxnSp>
         <p:cxnSp>
           <p:nvCxnSpPr>
-            <p:cNvPr id="79" name="Conector reto 78">
+            <p:cNvPr id="111" name="Conector reto 110">
               <a:extLst>
                 <a:ext uri="{FF2B5EF4-FFF2-40B4-BE49-F238E27FC236}">
-                  <a16:creationId xmlns:a16="http://schemas.microsoft.com/office/drawing/2014/main" id="{9D9BF01E-D591-453B-8AF8-431EBD9510EA}"/>
+                  <a16:creationId xmlns:a16="http://schemas.microsoft.com/office/drawing/2014/main" id="{D2B0B57F-BC39-4178-A946-E1B153396E10}"/>
                 </a:ext>
               </a:extLst>
             </p:cNvPr>
@@ -5638,10 +5831,10 @@
         </p:cxnSp>
         <p:cxnSp>
           <p:nvCxnSpPr>
-            <p:cNvPr id="80" name="Conector reto 79">
+            <p:cNvPr id="112" name="Conector reto 111">
               <a:extLst>
                 <a:ext uri="{FF2B5EF4-FFF2-40B4-BE49-F238E27FC236}">
-                  <a16:creationId xmlns:a16="http://schemas.microsoft.com/office/drawing/2014/main" id="{D4048E40-221F-4399-A873-F10D8B7D41E7}"/>
+                  <a16:creationId xmlns:a16="http://schemas.microsoft.com/office/drawing/2014/main" id="{FED77B18-452E-45F7-A44F-30DDD68E7035}"/>
                 </a:ext>
               </a:extLst>
             </p:cNvPr>
@@ -5677,10 +5870,10 @@
         </p:cxnSp>
         <p:sp>
           <p:nvSpPr>
-            <p:cNvPr id="2066" name="Retângulo 2065">
+            <p:cNvPr id="113" name="Retângulo 112">
               <a:extLst>
                 <a:ext uri="{FF2B5EF4-FFF2-40B4-BE49-F238E27FC236}">
-                  <a16:creationId xmlns:a16="http://schemas.microsoft.com/office/drawing/2014/main" id="{C28DBD6A-5CB8-43D1-9C28-F5162F63020D}"/>
+                  <a16:creationId xmlns:a16="http://schemas.microsoft.com/office/drawing/2014/main" id="{A488C2A1-CBE4-4CD8-9FD4-AB33091C5BA5}"/>
                 </a:ext>
               </a:extLst>
             </p:cNvPr>
@@ -5729,10 +5922,10 @@
         </p:sp>
         <p:pic>
           <p:nvPicPr>
-            <p:cNvPr id="2065" name="Imagem 2064" descr="Imagem em preto e branco&#10;&#10;Descrição gerada automaticamente">
+            <p:cNvPr id="114" name="Imagem 113" descr="Imagem em preto e branco&#10;&#10;Descrição gerada automaticamente">
               <a:extLst>
                 <a:ext uri="{FF2B5EF4-FFF2-40B4-BE49-F238E27FC236}">
-                  <a16:creationId xmlns:a16="http://schemas.microsoft.com/office/drawing/2014/main" id="{A75915B8-E5E9-4BF8-9746-036D8E84B625}"/>
+                  <a16:creationId xmlns:a16="http://schemas.microsoft.com/office/drawing/2014/main" id="{1CDA8CA0-EA41-4721-970B-2720FEC03400}"/>
                 </a:ext>
               </a:extLst>
             </p:cNvPr>
@@ -5742,7 +5935,7 @@
             <p:nvPr/>
           </p:nvPicPr>
           <p:blipFill>
-            <a:blip r:embed="rId15">
+            <a:blip r:embed="rId22">
               <a:extLst>
                 <a:ext uri="{28A0092B-C50C-407E-A947-70E740481C1C}">
                   <a14:useLocalDpi xmlns:a14="http://schemas.microsoft.com/office/drawing/2010/main" val="0"/>
@@ -5765,10 +5958,10 @@
         </p:pic>
         <p:pic>
           <p:nvPicPr>
-            <p:cNvPr id="2070" name="Gráfico 2069" descr="Raio">
+            <p:cNvPr id="115" name="Gráfico 114" descr="Raio">
               <a:extLst>
                 <a:ext uri="{FF2B5EF4-FFF2-40B4-BE49-F238E27FC236}">
-                  <a16:creationId xmlns:a16="http://schemas.microsoft.com/office/drawing/2014/main" id="{C394D5FB-EA6C-41E2-8E6F-C17A6C331350}"/>
+                  <a16:creationId xmlns:a16="http://schemas.microsoft.com/office/drawing/2014/main" id="{2D6112F3-101E-45B9-BFE0-B6B7E21E6FC2}"/>
                 </a:ext>
               </a:extLst>
             </p:cNvPr>
@@ -5778,13 +5971,13 @@
             <p:nvPr/>
           </p:nvPicPr>
           <p:blipFill>
-            <a:blip r:embed="rId16">
+            <a:blip r:embed="rId23">
               <a:extLst>
                 <a:ext uri="{28A0092B-C50C-407E-A947-70E740481C1C}">
                   <a14:useLocalDpi xmlns:a14="http://schemas.microsoft.com/office/drawing/2010/main" val="0"/>
                 </a:ext>
                 <a:ext uri="{96DAC541-7B7A-43D3-8B79-37D633B846F1}">
-                  <asvg:svgBlip xmlns:asvg="http://schemas.microsoft.com/office/drawing/2016/SVG/main" r:embed="rId17"/>
+                  <asvg:svgBlip xmlns:asvg="http://schemas.microsoft.com/office/drawing/2016/SVG/main" r:embed="rId24"/>
                 </a:ext>
               </a:extLst>
             </a:blip>
@@ -5809,16 +6002,16 @@
         </p:pic>
         <p:cxnSp>
           <p:nvCxnSpPr>
-            <p:cNvPr id="2072" name="Conector: Angulado 2071">
+            <p:cNvPr id="116" name="Conector: Angulado 115">
               <a:extLst>
                 <a:ext uri="{FF2B5EF4-FFF2-40B4-BE49-F238E27FC236}">
-                  <a16:creationId xmlns:a16="http://schemas.microsoft.com/office/drawing/2014/main" id="{1C9049C1-94D8-4142-85D4-FC137AD2133D}"/>
+                  <a16:creationId xmlns:a16="http://schemas.microsoft.com/office/drawing/2014/main" id="{A3E8868B-6426-496A-9E90-69C45FBCD074}"/>
                 </a:ext>
               </a:extLst>
             </p:cNvPr>
             <p:cNvCxnSpPr>
               <a:cxnSpLocks/>
-              <a:stCxn id="2059" idx="3"/>
+              <a:stCxn id="101" idx="3"/>
             </p:cNvCxnSpPr>
             <p:nvPr/>
           </p:nvCxnSpPr>
@@ -5851,16 +6044,16 @@
         </p:cxnSp>
         <p:cxnSp>
           <p:nvCxnSpPr>
-            <p:cNvPr id="92" name="Conector: Angulado 91">
+            <p:cNvPr id="117" name="Conector: Angulado 116">
               <a:extLst>
                 <a:ext uri="{FF2B5EF4-FFF2-40B4-BE49-F238E27FC236}">
-                  <a16:creationId xmlns:a16="http://schemas.microsoft.com/office/drawing/2014/main" id="{43B914A1-EFEB-43B8-BC46-6610DC25E70C}"/>
+                  <a16:creationId xmlns:a16="http://schemas.microsoft.com/office/drawing/2014/main" id="{672318F5-55AB-4C5A-9511-1CF977CB72AF}"/>
                 </a:ext>
               </a:extLst>
             </p:cNvPr>
             <p:cNvCxnSpPr>
               <a:cxnSpLocks/>
-              <a:stCxn id="2059" idx="2"/>
+              <a:stCxn id="101" idx="2"/>
             </p:cNvCxnSpPr>
             <p:nvPr/>
           </p:nvCxnSpPr>
@@ -5893,16 +6086,16 @@
         </p:cxnSp>
         <p:cxnSp>
           <p:nvCxnSpPr>
-            <p:cNvPr id="96" name="Conector: Angulado 95">
+            <p:cNvPr id="118" name="Conector: Angulado 117">
               <a:extLst>
                 <a:ext uri="{FF2B5EF4-FFF2-40B4-BE49-F238E27FC236}">
-                  <a16:creationId xmlns:a16="http://schemas.microsoft.com/office/drawing/2014/main" id="{8E6C2D7D-AD0D-4B42-9D33-5C048CFF9211}"/>
+                  <a16:creationId xmlns:a16="http://schemas.microsoft.com/office/drawing/2014/main" id="{BAC28D96-9947-46F9-8999-7AE1C51D6570}"/>
                 </a:ext>
               </a:extLst>
             </p:cNvPr>
             <p:cNvCxnSpPr>
               <a:cxnSpLocks/>
-              <a:stCxn id="2059" idx="2"/>
+              <a:stCxn id="101" idx="2"/>
             </p:cNvCxnSpPr>
             <p:nvPr/>
           </p:nvCxnSpPr>
@@ -5935,10 +6128,10 @@
         </p:cxnSp>
         <p:cxnSp>
           <p:nvCxnSpPr>
-            <p:cNvPr id="99" name="Conector: Angulado 98">
+            <p:cNvPr id="119" name="Conector: Angulado 118">
               <a:extLst>
                 <a:ext uri="{FF2B5EF4-FFF2-40B4-BE49-F238E27FC236}">
-                  <a16:creationId xmlns:a16="http://schemas.microsoft.com/office/drawing/2014/main" id="{AA5452F6-5CD2-4990-A90E-A20B540D7D75}"/>
+                  <a16:creationId xmlns:a16="http://schemas.microsoft.com/office/drawing/2014/main" id="{58AC22B2-F2DC-46DF-9B75-719E5543B3A8}"/>
                 </a:ext>
               </a:extLst>
             </p:cNvPr>
@@ -5976,10 +6169,10 @@
         </p:cxnSp>
         <p:cxnSp>
           <p:nvCxnSpPr>
-            <p:cNvPr id="102" name="Conector: Angulado 101">
+            <p:cNvPr id="120" name="Conector: Angulado 119">
               <a:extLst>
                 <a:ext uri="{FF2B5EF4-FFF2-40B4-BE49-F238E27FC236}">
-                  <a16:creationId xmlns:a16="http://schemas.microsoft.com/office/drawing/2014/main" id="{8A6EF460-FABF-46D0-993A-B67355982AD3}"/>
+                  <a16:creationId xmlns:a16="http://schemas.microsoft.com/office/drawing/2014/main" id="{B08C23D5-C856-449C-BAB4-30BAFC66C700}"/>
                 </a:ext>
               </a:extLst>
             </p:cNvPr>
@@ -6017,10 +6210,10 @@
         </p:cxnSp>
         <p:cxnSp>
           <p:nvCxnSpPr>
-            <p:cNvPr id="105" name="Conector: Angulado 104">
+            <p:cNvPr id="121" name="Conector: Angulado 120">
               <a:extLst>
                 <a:ext uri="{FF2B5EF4-FFF2-40B4-BE49-F238E27FC236}">
-                  <a16:creationId xmlns:a16="http://schemas.microsoft.com/office/drawing/2014/main" id="{46FCE6C6-AA48-4B3A-B61E-E2267DB6BE57}"/>
+                  <a16:creationId xmlns:a16="http://schemas.microsoft.com/office/drawing/2014/main" id="{462EFFE9-0E34-47B0-B3A1-208D1EC27280}"/>
                 </a:ext>
               </a:extLst>
             </p:cNvPr>
@@ -6058,10 +6251,10 @@
         </p:cxnSp>
         <p:sp>
           <p:nvSpPr>
-            <p:cNvPr id="40" name="Elipse 39">
+            <p:cNvPr id="122" name="Elipse 121">
               <a:extLst>
                 <a:ext uri="{FF2B5EF4-FFF2-40B4-BE49-F238E27FC236}">
-                  <a16:creationId xmlns:a16="http://schemas.microsoft.com/office/drawing/2014/main" id="{B9F040C4-B09E-4D89-BA07-9CD504DB062A}"/>
+                  <a16:creationId xmlns:a16="http://schemas.microsoft.com/office/drawing/2014/main" id="{3211A580-22FC-4619-9A37-55FA9344AA32}"/>
                 </a:ext>
               </a:extLst>
             </p:cNvPr>
@@ -6107,10 +6300,10 @@
         </p:sp>
         <p:sp>
           <p:nvSpPr>
-            <p:cNvPr id="41" name="Elipse 40">
+            <p:cNvPr id="123" name="Elipse 122">
               <a:extLst>
                 <a:ext uri="{FF2B5EF4-FFF2-40B4-BE49-F238E27FC236}">
-                  <a16:creationId xmlns:a16="http://schemas.microsoft.com/office/drawing/2014/main" id="{1701BB7B-FE87-49E8-98ED-6E9DB0F2FA9A}"/>
+                  <a16:creationId xmlns:a16="http://schemas.microsoft.com/office/drawing/2014/main" id="{E0B9FBE9-9CE0-414F-A095-5C6850E741D7}"/>
                 </a:ext>
               </a:extLst>
             </p:cNvPr>
@@ -6156,10 +6349,10 @@
         </p:sp>
         <p:sp>
           <p:nvSpPr>
-            <p:cNvPr id="42" name="Elipse 41">
+            <p:cNvPr id="124" name="Elipse 123">
               <a:extLst>
                 <a:ext uri="{FF2B5EF4-FFF2-40B4-BE49-F238E27FC236}">
-                  <a16:creationId xmlns:a16="http://schemas.microsoft.com/office/drawing/2014/main" id="{E678179E-E6F6-43EB-A406-9FFFE3F9C9DB}"/>
+                  <a16:creationId xmlns:a16="http://schemas.microsoft.com/office/drawing/2014/main" id="{3EDE0306-F07F-4EC2-85C7-2F9B93F72A1B}"/>
                 </a:ext>
               </a:extLst>
             </p:cNvPr>
@@ -6205,10 +6398,10 @@
         </p:sp>
         <p:sp>
           <p:nvSpPr>
-            <p:cNvPr id="43" name="Elipse 42">
+            <p:cNvPr id="125" name="Elipse 124">
               <a:extLst>
                 <a:ext uri="{FF2B5EF4-FFF2-40B4-BE49-F238E27FC236}">
-                  <a16:creationId xmlns:a16="http://schemas.microsoft.com/office/drawing/2014/main" id="{5B6325B2-E763-4A99-A066-0120DC217C3D}"/>
+                  <a16:creationId xmlns:a16="http://schemas.microsoft.com/office/drawing/2014/main" id="{9DCFA5E6-4465-4215-A6CA-140DF1553F80}"/>
                 </a:ext>
               </a:extLst>
             </p:cNvPr>
@@ -6254,10 +6447,10 @@
         </p:sp>
         <p:sp>
           <p:nvSpPr>
-            <p:cNvPr id="44" name="Retângulo 43">
+            <p:cNvPr id="126" name="Retângulo 125">
               <a:extLst>
                 <a:ext uri="{FF2B5EF4-FFF2-40B4-BE49-F238E27FC236}">
-                  <a16:creationId xmlns:a16="http://schemas.microsoft.com/office/drawing/2014/main" id="{509D4735-2B0A-48D1-BFA8-DB7D671DA5C6}"/>
+                  <a16:creationId xmlns:a16="http://schemas.microsoft.com/office/drawing/2014/main" id="{AF53392C-BCFB-46FE-AAFF-C62F64261A3A}"/>
                 </a:ext>
               </a:extLst>
             </p:cNvPr>
@@ -6303,10 +6496,10 @@
         </p:sp>
         <p:sp>
           <p:nvSpPr>
-            <p:cNvPr id="45" name="Retângulo 44">
+            <p:cNvPr id="127" name="Retângulo 126">
               <a:extLst>
                 <a:ext uri="{FF2B5EF4-FFF2-40B4-BE49-F238E27FC236}">
-                  <a16:creationId xmlns:a16="http://schemas.microsoft.com/office/drawing/2014/main" id="{AD5AEF69-6B2A-4BAF-A0BA-9509B920868F}"/>
+                  <a16:creationId xmlns:a16="http://schemas.microsoft.com/office/drawing/2014/main" id="{B91024E0-A7FB-4675-981F-EA68DDE012E4}"/>
                 </a:ext>
               </a:extLst>
             </p:cNvPr>
@@ -6352,10 +6545,10 @@
         </p:sp>
         <p:grpSp>
           <p:nvGrpSpPr>
-            <p:cNvPr id="58" name="Agrupar 57">
+            <p:cNvPr id="128" name="Agrupar 127">
               <a:extLst>
                 <a:ext uri="{FF2B5EF4-FFF2-40B4-BE49-F238E27FC236}">
-                  <a16:creationId xmlns:a16="http://schemas.microsoft.com/office/drawing/2014/main" id="{0B7DBCB4-E24A-4AEC-987E-B82032FD406A}"/>
+                  <a16:creationId xmlns:a16="http://schemas.microsoft.com/office/drawing/2014/main" id="{52366BC2-116C-4AC0-8119-0F58CB81BE3B}"/>
                 </a:ext>
               </a:extLst>
             </p:cNvPr>
@@ -6372,10 +6565,10 @@
           </p:grpSpPr>
           <p:sp>
             <p:nvSpPr>
-              <p:cNvPr id="53" name="Elipse 52">
+              <p:cNvPr id="149" name="Elipse 148">
                 <a:extLst>
                   <a:ext uri="{FF2B5EF4-FFF2-40B4-BE49-F238E27FC236}">
-                    <a16:creationId xmlns:a16="http://schemas.microsoft.com/office/drawing/2014/main" id="{59440F61-8B3A-4E04-A14D-80336EF0178C}"/>
+                    <a16:creationId xmlns:a16="http://schemas.microsoft.com/office/drawing/2014/main" id="{69B8F0AB-DB87-4CF5-8C72-765AAB55B289}"/>
                   </a:ext>
                 </a:extLst>
               </p:cNvPr>
@@ -6423,10 +6616,10 @@
           </p:sp>
           <p:grpSp>
             <p:nvGrpSpPr>
-              <p:cNvPr id="54" name="Agrupar 53">
+              <p:cNvPr id="150" name="Agrupar 149">
                 <a:extLst>
                   <a:ext uri="{FF2B5EF4-FFF2-40B4-BE49-F238E27FC236}">
-                    <a16:creationId xmlns:a16="http://schemas.microsoft.com/office/drawing/2014/main" id="{FEDA7885-1811-4930-ABE1-9B6F941D0FA5}"/>
+                    <a16:creationId xmlns:a16="http://schemas.microsoft.com/office/drawing/2014/main" id="{78D5EA27-B1FA-441C-95D3-FA2B6BE1EE35}"/>
                   </a:ext>
                 </a:extLst>
               </p:cNvPr>
@@ -6443,10 +6636,10 @@
             </p:grpSpPr>
             <p:sp>
               <p:nvSpPr>
-                <p:cNvPr id="52" name="Elipse 51">
+                <p:cNvPr id="151" name="Elipse 150">
                   <a:extLst>
                     <a:ext uri="{FF2B5EF4-FFF2-40B4-BE49-F238E27FC236}">
-                      <a16:creationId xmlns:a16="http://schemas.microsoft.com/office/drawing/2014/main" id="{542B7937-037B-40B8-907E-1E3EBE257BBA}"/>
+                      <a16:creationId xmlns:a16="http://schemas.microsoft.com/office/drawing/2014/main" id="{3458D0DB-97A2-4D3F-9958-285EBD75BECB}"/>
                     </a:ext>
                   </a:extLst>
                 </p:cNvPr>
@@ -6494,10 +6687,10 @@
             </p:sp>
             <p:sp>
               <p:nvSpPr>
-                <p:cNvPr id="51" name="Elipse 50">
+                <p:cNvPr id="152" name="Elipse 151">
                   <a:extLst>
                     <a:ext uri="{FF2B5EF4-FFF2-40B4-BE49-F238E27FC236}">
-                      <a16:creationId xmlns:a16="http://schemas.microsoft.com/office/drawing/2014/main" id="{D5CCF552-4A71-4E91-B678-96C421CE11B1}"/>
+                      <a16:creationId xmlns:a16="http://schemas.microsoft.com/office/drawing/2014/main" id="{B8105416-DF43-4556-BE96-4F5EECA1FB1A}"/>
                     </a:ext>
                   </a:extLst>
                 </p:cNvPr>
@@ -6547,10 +6740,10 @@
         </p:grpSp>
         <p:grpSp>
           <p:nvGrpSpPr>
-            <p:cNvPr id="132" name="Agrupar 131">
+            <p:cNvPr id="129" name="Agrupar 128">
               <a:extLst>
                 <a:ext uri="{FF2B5EF4-FFF2-40B4-BE49-F238E27FC236}">
-                  <a16:creationId xmlns:a16="http://schemas.microsoft.com/office/drawing/2014/main" id="{12AE67A2-C659-40A4-B118-307B5762440E}"/>
+                  <a16:creationId xmlns:a16="http://schemas.microsoft.com/office/drawing/2014/main" id="{8389AA63-025B-4ABC-BBAC-E18023EAD05A}"/>
                 </a:ext>
               </a:extLst>
             </p:cNvPr>
@@ -6567,10 +6760,10 @@
           </p:grpSpPr>
           <p:sp>
             <p:nvSpPr>
-              <p:cNvPr id="133" name="Elipse 132">
+              <p:cNvPr id="145" name="Elipse 144">
                 <a:extLst>
                   <a:ext uri="{FF2B5EF4-FFF2-40B4-BE49-F238E27FC236}">
-                    <a16:creationId xmlns:a16="http://schemas.microsoft.com/office/drawing/2014/main" id="{5493703A-02D9-4D6F-AFBC-2401BDA69BB2}"/>
+                    <a16:creationId xmlns:a16="http://schemas.microsoft.com/office/drawing/2014/main" id="{4705D4C5-5A08-4621-888F-25F472A9AFB8}"/>
                   </a:ext>
                 </a:extLst>
               </p:cNvPr>
@@ -6618,10 +6811,10 @@
           </p:sp>
           <p:grpSp>
             <p:nvGrpSpPr>
-              <p:cNvPr id="134" name="Agrupar 133">
+              <p:cNvPr id="146" name="Agrupar 145">
                 <a:extLst>
                   <a:ext uri="{FF2B5EF4-FFF2-40B4-BE49-F238E27FC236}">
-                    <a16:creationId xmlns:a16="http://schemas.microsoft.com/office/drawing/2014/main" id="{2519813E-EBEA-457D-9340-CD51873B1388}"/>
+                    <a16:creationId xmlns:a16="http://schemas.microsoft.com/office/drawing/2014/main" id="{3EDAE764-178D-4BA7-8A97-66A850DD3B5A}"/>
                   </a:ext>
                 </a:extLst>
               </p:cNvPr>
@@ -6638,10 +6831,10 @@
             </p:grpSpPr>
             <p:sp>
               <p:nvSpPr>
-                <p:cNvPr id="135" name="Elipse 134">
+                <p:cNvPr id="147" name="Elipse 146">
                   <a:extLst>
                     <a:ext uri="{FF2B5EF4-FFF2-40B4-BE49-F238E27FC236}">
-                      <a16:creationId xmlns:a16="http://schemas.microsoft.com/office/drawing/2014/main" id="{F92408B1-8215-4831-9DCB-705F0E421DCE}"/>
+                      <a16:creationId xmlns:a16="http://schemas.microsoft.com/office/drawing/2014/main" id="{CDF0673F-326E-4616-A83C-ACB1D978120A}"/>
                     </a:ext>
                   </a:extLst>
                 </p:cNvPr>
@@ -6689,10 +6882,10 @@
             </p:sp>
             <p:sp>
               <p:nvSpPr>
-                <p:cNvPr id="136" name="Elipse 135">
+                <p:cNvPr id="148" name="Elipse 147">
                   <a:extLst>
                     <a:ext uri="{FF2B5EF4-FFF2-40B4-BE49-F238E27FC236}">
-                      <a16:creationId xmlns:a16="http://schemas.microsoft.com/office/drawing/2014/main" id="{155F2120-8FBE-47DC-A158-C6837F617C7E}"/>
+                      <a16:creationId xmlns:a16="http://schemas.microsoft.com/office/drawing/2014/main" id="{50D608BE-9AF6-417B-BDAB-06FA9516BF0F}"/>
                     </a:ext>
                   </a:extLst>
                 </p:cNvPr>
@@ -6742,10 +6935,10 @@
         </p:grpSp>
         <p:grpSp>
           <p:nvGrpSpPr>
-            <p:cNvPr id="137" name="Agrupar 136">
+            <p:cNvPr id="130" name="Agrupar 129">
               <a:extLst>
                 <a:ext uri="{FF2B5EF4-FFF2-40B4-BE49-F238E27FC236}">
-                  <a16:creationId xmlns:a16="http://schemas.microsoft.com/office/drawing/2014/main" id="{370970C5-3195-4527-AB62-5FA2A8ED9641}"/>
+                  <a16:creationId xmlns:a16="http://schemas.microsoft.com/office/drawing/2014/main" id="{6CA5191E-00B4-427F-AF85-E25033BD049D}"/>
                 </a:ext>
               </a:extLst>
             </p:cNvPr>
@@ -6762,10 +6955,10 @@
           </p:grpSpPr>
           <p:sp>
             <p:nvSpPr>
-              <p:cNvPr id="138" name="Elipse 137">
+              <p:cNvPr id="131" name="Elipse 130">
                 <a:extLst>
                   <a:ext uri="{FF2B5EF4-FFF2-40B4-BE49-F238E27FC236}">
-                    <a16:creationId xmlns:a16="http://schemas.microsoft.com/office/drawing/2014/main" id="{3DA234B2-AC2D-4EC0-9C57-96CBDCFE6388}"/>
+                    <a16:creationId xmlns:a16="http://schemas.microsoft.com/office/drawing/2014/main" id="{4CDA3F1C-759F-4EDA-B71B-FCC00BB7E211}"/>
                   </a:ext>
                 </a:extLst>
               </p:cNvPr>
@@ -6813,10 +7006,10 @@
           </p:sp>
           <p:grpSp>
             <p:nvGrpSpPr>
-              <p:cNvPr id="139" name="Agrupar 138">
+              <p:cNvPr id="142" name="Agrupar 141">
                 <a:extLst>
                   <a:ext uri="{FF2B5EF4-FFF2-40B4-BE49-F238E27FC236}">
-                    <a16:creationId xmlns:a16="http://schemas.microsoft.com/office/drawing/2014/main" id="{646774CB-2F17-451B-BFBC-6CF6811E35C3}"/>
+                    <a16:creationId xmlns:a16="http://schemas.microsoft.com/office/drawing/2014/main" id="{DA909A73-9A13-4C82-BEB0-6031E3A7C3F2}"/>
                   </a:ext>
                 </a:extLst>
               </p:cNvPr>
@@ -6833,10 +7026,10 @@
             </p:grpSpPr>
             <p:sp>
               <p:nvSpPr>
-                <p:cNvPr id="140" name="Elipse 139">
+                <p:cNvPr id="143" name="Elipse 142">
                   <a:extLst>
                     <a:ext uri="{FF2B5EF4-FFF2-40B4-BE49-F238E27FC236}">
-                      <a16:creationId xmlns:a16="http://schemas.microsoft.com/office/drawing/2014/main" id="{B6D16D9F-F12F-4026-95B4-C24FD3789F27}"/>
+                      <a16:creationId xmlns:a16="http://schemas.microsoft.com/office/drawing/2014/main" id="{67EE86C7-A9E9-42C9-9DEE-26CA99D8EC46}"/>
                     </a:ext>
                   </a:extLst>
                 </p:cNvPr>
@@ -6884,10 +7077,10 @@
             </p:sp>
             <p:sp>
               <p:nvSpPr>
-                <p:cNvPr id="141" name="Elipse 140">
+                <p:cNvPr id="144" name="Elipse 143">
                   <a:extLst>
                     <a:ext uri="{FF2B5EF4-FFF2-40B4-BE49-F238E27FC236}">
-                      <a16:creationId xmlns:a16="http://schemas.microsoft.com/office/drawing/2014/main" id="{BD41BC43-6A0D-426E-841D-B5310ED233A7}"/>
+                      <a16:creationId xmlns:a16="http://schemas.microsoft.com/office/drawing/2014/main" id="{35F6BF8E-5774-46ED-A932-9DF7142054D1}"/>
                     </a:ext>
                   </a:extLst>
                 </p:cNvPr>
@@ -6938,10 +7131,10 @@
       </p:grpSp>
       <p:sp>
         <p:nvSpPr>
-          <p:cNvPr id="76" name="Retângulo 75">
-            <a:extLst>
-              <a:ext uri="{FF2B5EF4-FFF2-40B4-BE49-F238E27FC236}">
-                <a16:creationId xmlns:a16="http://schemas.microsoft.com/office/drawing/2014/main" id="{2DF1AA74-5396-4CC8-9194-8900E159F552}"/>
+          <p:cNvPr id="153" name="Retângulo 152">
+            <a:extLst>
+              <a:ext uri="{FF2B5EF4-FFF2-40B4-BE49-F238E27FC236}">
+                <a16:creationId xmlns:a16="http://schemas.microsoft.com/office/drawing/2014/main" id="{B491773A-AFE9-4141-BC92-0E51ED34F39F}"/>
               </a:ext>
             </a:extLst>
           </p:cNvPr>
@@ -6950,8 +7143,8 @@
         </p:nvSpPr>
         <p:spPr>
           <a:xfrm>
-            <a:off x="6246061" y="286202"/>
-            <a:ext cx="5584869" cy="2110408"/>
+            <a:off x="6588607" y="4340431"/>
+            <a:ext cx="5336339" cy="1917019"/>
           </a:xfrm>
           <a:prstGeom prst="rect">
             <a:avLst/>
@@ -7064,10 +7257,10 @@
       </p:sp>
       <p:pic>
         <p:nvPicPr>
-          <p:cNvPr id="81" name="Gráfico 80" descr="Documento">
-            <a:extLst>
-              <a:ext uri="{FF2B5EF4-FFF2-40B4-BE49-F238E27FC236}">
-                <a16:creationId xmlns:a16="http://schemas.microsoft.com/office/drawing/2014/main" id="{EB91648C-C49A-4BF1-B5D9-AE9D35B92B6E}"/>
+          <p:cNvPr id="154" name="Gráfico 153" descr="Documento">
+            <a:extLst>
+              <a:ext uri="{FF2B5EF4-FFF2-40B4-BE49-F238E27FC236}">
+                <a16:creationId xmlns:a16="http://schemas.microsoft.com/office/drawing/2014/main" id="{7D426EC0-CF0D-4149-B7F5-8E0B0CF05B98}"/>
               </a:ext>
             </a:extLst>
           </p:cNvPr>
@@ -7077,13 +7270,13 @@
           <p:nvPr/>
         </p:nvPicPr>
         <p:blipFill>
-          <a:blip r:embed="rId18">
+          <a:blip r:embed="rId25">
             <a:extLst>
               <a:ext uri="{28A0092B-C50C-407E-A947-70E740481C1C}">
                 <a14:useLocalDpi xmlns:a14="http://schemas.microsoft.com/office/drawing/2010/main" val="0"/>
               </a:ext>
               <a:ext uri="{96DAC541-7B7A-43D3-8B79-37D633B846F1}">
-                <asvg:svgBlip xmlns:asvg="http://schemas.microsoft.com/office/drawing/2016/SVG/main" r:embed="rId19"/>
+                <asvg:svgBlip xmlns:asvg="http://schemas.microsoft.com/office/drawing/2016/SVG/main" r:embed="rId26"/>
               </a:ext>
             </a:extLst>
           </a:blip>
@@ -7093,7 +7286,7 @@
         </p:blipFill>
         <p:spPr>
           <a:xfrm>
-            <a:off x="10166121" y="378972"/>
+            <a:off x="10843472" y="4928665"/>
             <a:ext cx="772140" cy="772140"/>
           </a:xfrm>
           <a:prstGeom prst="rect">
@@ -7103,10 +7296,10 @@
       </p:pic>
       <p:pic>
         <p:nvPicPr>
-          <p:cNvPr id="83" name="Gráfico 82" descr="Gráfico de barras com tendência ascendente">
-            <a:extLst>
-              <a:ext uri="{FF2B5EF4-FFF2-40B4-BE49-F238E27FC236}">
-                <a16:creationId xmlns:a16="http://schemas.microsoft.com/office/drawing/2014/main" id="{2C6192A3-C6D4-4AA2-9EA5-FE99CEB871D6}"/>
+          <p:cNvPr id="155" name="Gráfico 154" descr="Gráfico de barras com tendência ascendente">
+            <a:extLst>
+              <a:ext uri="{FF2B5EF4-FFF2-40B4-BE49-F238E27FC236}">
+                <a16:creationId xmlns:a16="http://schemas.microsoft.com/office/drawing/2014/main" id="{AE26454F-B70C-49C7-A5C2-59F869D313C2}"/>
               </a:ext>
             </a:extLst>
           </p:cNvPr>
@@ -7116,13 +7309,13 @@
           <p:nvPr/>
         </p:nvPicPr>
         <p:blipFill>
-          <a:blip r:embed="rId20">
+          <a:blip r:embed="rId27">
             <a:extLst>
               <a:ext uri="{28A0092B-C50C-407E-A947-70E740481C1C}">
                 <a14:useLocalDpi xmlns:a14="http://schemas.microsoft.com/office/drawing/2010/main" val="0"/>
               </a:ext>
               <a:ext uri="{96DAC541-7B7A-43D3-8B79-37D633B846F1}">
-                <asvg:svgBlip xmlns:asvg="http://schemas.microsoft.com/office/drawing/2016/SVG/main" r:embed="rId21"/>
+                <asvg:svgBlip xmlns:asvg="http://schemas.microsoft.com/office/drawing/2016/SVG/main" r:embed="rId28"/>
               </a:ext>
             </a:extLst>
           </a:blip>
@@ -7132,124 +7325,7 @@
         </p:blipFill>
         <p:spPr>
           <a:xfrm>
-            <a:off x="9306861" y="1241320"/>
-            <a:ext cx="914400" cy="914400"/>
-          </a:xfrm>
-          <a:prstGeom prst="rect">
-            <a:avLst/>
-          </a:prstGeom>
-        </p:spPr>
-      </p:pic>
-      <p:pic>
-        <p:nvPicPr>
-          <p:cNvPr id="85" name="Gráfico 84" descr="Gráfico de pizza">
-            <a:extLst>
-              <a:ext uri="{FF2B5EF4-FFF2-40B4-BE49-F238E27FC236}">
-                <a16:creationId xmlns:a16="http://schemas.microsoft.com/office/drawing/2014/main" id="{29A6CB03-17FE-41E2-B90A-C3149789069E}"/>
-              </a:ext>
-            </a:extLst>
-          </p:cNvPr>
-          <p:cNvPicPr>
-            <a:picLocks noChangeAspect="1"/>
-          </p:cNvPicPr>
-          <p:nvPr/>
-        </p:nvPicPr>
-        <p:blipFill>
-          <a:blip r:embed="rId22">
-            <a:extLst>
-              <a:ext uri="{28A0092B-C50C-407E-A947-70E740481C1C}">
-                <a14:useLocalDpi xmlns:a14="http://schemas.microsoft.com/office/drawing/2010/main" val="0"/>
-              </a:ext>
-              <a:ext uri="{96DAC541-7B7A-43D3-8B79-37D633B846F1}">
-                <asvg:svgBlip xmlns:asvg="http://schemas.microsoft.com/office/drawing/2016/SVG/main" r:embed="rId23"/>
-              </a:ext>
-            </a:extLst>
-          </a:blip>
-          <a:stretch>
-            <a:fillRect/>
-          </a:stretch>
-        </p:blipFill>
-        <p:spPr>
-          <a:xfrm>
-            <a:off x="10520112" y="1283089"/>
-            <a:ext cx="914400" cy="914400"/>
-          </a:xfrm>
-          <a:prstGeom prst="rect">
-            <a:avLst/>
-          </a:prstGeom>
-        </p:spPr>
-      </p:pic>
-      <p:pic>
-        <p:nvPicPr>
-          <p:cNvPr id="90" name="Gráfico 89" descr="Dado">
-            <a:extLst>
-              <a:ext uri="{FF2B5EF4-FFF2-40B4-BE49-F238E27FC236}">
-                <a16:creationId xmlns:a16="http://schemas.microsoft.com/office/drawing/2014/main" id="{F504AFFC-53E4-4587-BF11-1D345BB8E2A9}"/>
-              </a:ext>
-            </a:extLst>
-          </p:cNvPr>
-          <p:cNvPicPr>
-            <a:picLocks noChangeAspect="1"/>
-          </p:cNvPicPr>
-          <p:nvPr/>
-        </p:nvPicPr>
-        <p:blipFill>
-          <a:blip r:embed="rId24">
-            <a:extLst>
-              <a:ext uri="{28A0092B-C50C-407E-A947-70E740481C1C}">
-                <a14:useLocalDpi xmlns:a14="http://schemas.microsoft.com/office/drawing/2010/main" val="0"/>
-              </a:ext>
-              <a:ext uri="{96DAC541-7B7A-43D3-8B79-37D633B846F1}">
-                <asvg:svgBlip xmlns:asvg="http://schemas.microsoft.com/office/drawing/2016/SVG/main" r:embed="rId25"/>
-              </a:ext>
-            </a:extLst>
-          </a:blip>
-          <a:stretch>
-            <a:fillRect/>
-          </a:stretch>
-        </p:blipFill>
-        <p:spPr>
-          <a:xfrm>
-            <a:off x="2922664" y="1234780"/>
-            <a:ext cx="914400" cy="914400"/>
-          </a:xfrm>
-          <a:prstGeom prst="rect">
-            <a:avLst/>
-          </a:prstGeom>
-        </p:spPr>
-      </p:pic>
-      <p:pic>
-        <p:nvPicPr>
-          <p:cNvPr id="93" name="Gráfico 92" descr="Seta circular">
-            <a:extLst>
-              <a:ext uri="{FF2B5EF4-FFF2-40B4-BE49-F238E27FC236}">
-                <a16:creationId xmlns:a16="http://schemas.microsoft.com/office/drawing/2014/main" id="{56D1E134-C41C-4EBC-8B2F-F2380A795538}"/>
-              </a:ext>
-            </a:extLst>
-          </p:cNvPr>
-          <p:cNvPicPr>
-            <a:picLocks noChangeAspect="1"/>
-          </p:cNvPicPr>
-          <p:nvPr/>
-        </p:nvPicPr>
-        <p:blipFill>
-          <a:blip r:embed="rId26">
-            <a:extLst>
-              <a:ext uri="{28A0092B-C50C-407E-A947-70E740481C1C}">
-                <a14:useLocalDpi xmlns:a14="http://schemas.microsoft.com/office/drawing/2010/main" val="0"/>
-              </a:ext>
-              <a:ext uri="{96DAC541-7B7A-43D3-8B79-37D633B846F1}">
-                <asvg:svgBlip xmlns:asvg="http://schemas.microsoft.com/office/drawing/2016/SVG/main" r:embed="rId27"/>
-              </a:ext>
-            </a:extLst>
-          </a:blip>
-          <a:stretch>
-            <a:fillRect/>
-          </a:stretch>
-        </p:blipFill>
-        <p:spPr>
-          <a:xfrm>
-            <a:off x="3246285" y="881861"/>
+            <a:off x="9689194" y="4918135"/>
             <a:ext cx="914400" cy="914400"/>
           </a:xfrm>
           <a:prstGeom prst="rect">
@@ -7259,10 +7335,10 @@
       </p:pic>
       <p:sp>
         <p:nvSpPr>
-          <p:cNvPr id="94" name="CaixaDeTexto 93">
-            <a:extLst>
-              <a:ext uri="{FF2B5EF4-FFF2-40B4-BE49-F238E27FC236}">
-                <a16:creationId xmlns:a16="http://schemas.microsoft.com/office/drawing/2014/main" id="{608C854B-8D0F-427F-8F56-F23F1171A670}"/>
+          <p:cNvPr id="2054" name="CaixaDeTexto 2053">
+            <a:extLst>
+              <a:ext uri="{FF2B5EF4-FFF2-40B4-BE49-F238E27FC236}">
+                <a16:creationId xmlns:a16="http://schemas.microsoft.com/office/drawing/2014/main" id="{62AA2133-26E6-4AE5-ADB2-95796893DCEF}"/>
               </a:ext>
             </a:extLst>
           </p:cNvPr>
@@ -7271,8 +7347,8 @@
         </p:nvSpPr>
         <p:spPr>
           <a:xfrm>
-            <a:off x="10321205" y="2426520"/>
-            <a:ext cx="1509725" cy="369332"/>
+            <a:off x="8625110" y="6347658"/>
+            <a:ext cx="1406282" cy="400110"/>
           </a:xfrm>
           <a:prstGeom prst="rect">
             <a:avLst/>
@@ -7280,153 +7356,29 @@
           <a:noFill/>
         </p:spPr>
         <p:txBody>
-          <a:bodyPr wrap="square" rtlCol="0">
+          <a:bodyPr wrap="none" rtlCol="0">
             <a:spAutoFit/>
           </a:bodyPr>
           <a:lstStyle/>
           <a:p>
             <a:r>
-              <a:rPr lang="pt-BR" dirty="0">
+              <a:rPr lang="pt-BR" sz="2000" b="1" dirty="0">
                 <a:latin typeface="Fredoka One" panose="02000000000000000000" pitchFamily="2" charset="0"/>
+                <a:cs typeface="Times New Roman" panose="02020603050405020304" pitchFamily="18" charset="0"/>
               </a:rPr>
-              <a:t>Resultados</a:t>
+              <a:t>Resultados </a:t>
             </a:r>
+            <a:endParaRPr lang="pt-BR" sz="2000" b="1" dirty="0">
+              <a:latin typeface="Times New Roman" panose="02020603050405020304" pitchFamily="18" charset="0"/>
+              <a:cs typeface="Times New Roman" panose="02020603050405020304" pitchFamily="18" charset="0"/>
+            </a:endParaRPr>
           </a:p>
         </p:txBody>
       </p:sp>
-      <p:pic>
-        <p:nvPicPr>
-          <p:cNvPr id="95" name="Gráfico 94" descr="Roteador sem fio">
-            <a:extLst>
-              <a:ext uri="{FF2B5EF4-FFF2-40B4-BE49-F238E27FC236}">
-                <a16:creationId xmlns:a16="http://schemas.microsoft.com/office/drawing/2014/main" id="{7F1CC6C2-6A92-4306-84EE-BED9E41A1162}"/>
-              </a:ext>
-            </a:extLst>
-          </p:cNvPr>
-          <p:cNvPicPr>
-            <a:picLocks noChangeAspect="1"/>
-          </p:cNvPicPr>
-          <p:nvPr/>
-        </p:nvPicPr>
-        <p:blipFill>
-          <a:blip r:embed="rId9">
-            <a:extLst>
-              <a:ext uri="{28A0092B-C50C-407E-A947-70E740481C1C}">
-                <a14:useLocalDpi xmlns:a14="http://schemas.microsoft.com/office/drawing/2010/main" val="0"/>
-              </a:ext>
-              <a:ext uri="{96DAC541-7B7A-43D3-8B79-37D633B846F1}">
-                <asvg:svgBlip xmlns:asvg="http://schemas.microsoft.com/office/drawing/2016/SVG/main" r:embed="rId10"/>
-              </a:ext>
-            </a:extLst>
-          </a:blip>
-          <a:stretch>
-            <a:fillRect/>
-          </a:stretch>
-        </p:blipFill>
-        <p:spPr>
-          <a:xfrm>
-            <a:off x="5768744" y="4327296"/>
-            <a:ext cx="914400" cy="914400"/>
-          </a:xfrm>
-          <a:prstGeom prst="rect">
-            <a:avLst/>
-          </a:prstGeom>
-        </p:spPr>
-      </p:pic>
-      <p:cxnSp>
-        <p:nvCxnSpPr>
-          <p:cNvPr id="109" name="Conector de Seta Reta 108">
-            <a:extLst>
-              <a:ext uri="{FF2B5EF4-FFF2-40B4-BE49-F238E27FC236}">
-                <a16:creationId xmlns:a16="http://schemas.microsoft.com/office/drawing/2014/main" id="{0352F87A-C7BE-4A1C-A5F0-1A4177C3E72B}"/>
-              </a:ext>
-            </a:extLst>
-          </p:cNvPr>
-          <p:cNvCxnSpPr>
-            <a:cxnSpLocks/>
-            <a:endCxn id="28" idx="2"/>
-          </p:cNvCxnSpPr>
-          <p:nvPr/>
-        </p:nvCxnSpPr>
-        <p:spPr>
-          <a:xfrm flipV="1">
-            <a:off x="1451751" y="2969473"/>
-            <a:ext cx="0" cy="472491"/>
-          </a:xfrm>
-          <a:prstGeom prst="straightConnector1">
-            <a:avLst/>
-          </a:prstGeom>
-          <a:ln w="66675">
-            <a:solidFill>
-              <a:schemeClr val="tx1"/>
-            </a:solidFill>
-            <a:tailEnd type="triangle"/>
-          </a:ln>
-        </p:spPr>
-        <p:style>
-          <a:lnRef idx="1">
-            <a:schemeClr val="accent1"/>
-          </a:lnRef>
-          <a:fillRef idx="0">
-            <a:schemeClr val="accent1"/>
-          </a:fillRef>
-          <a:effectRef idx="0">
-            <a:schemeClr val="accent1"/>
-          </a:effectRef>
-          <a:fontRef idx="minor">
-            <a:schemeClr val="tx1"/>
-          </a:fontRef>
-        </p:style>
-      </p:cxnSp>
-      <p:cxnSp>
-        <p:nvCxnSpPr>
-          <p:cNvPr id="175" name="Conector de Seta Reta 174">
-            <a:extLst>
-              <a:ext uri="{FF2B5EF4-FFF2-40B4-BE49-F238E27FC236}">
-                <a16:creationId xmlns:a16="http://schemas.microsoft.com/office/drawing/2014/main" id="{D8C42E2A-4324-4054-BB01-EEC72E693A9B}"/>
-              </a:ext>
-            </a:extLst>
-          </p:cNvPr>
-          <p:cNvCxnSpPr>
-            <a:cxnSpLocks/>
-            <a:stCxn id="95" idx="3"/>
-          </p:cNvCxnSpPr>
-          <p:nvPr/>
-        </p:nvCxnSpPr>
-        <p:spPr>
-          <a:xfrm>
-            <a:off x="6683144" y="4784496"/>
-            <a:ext cx="411133" cy="0"/>
-          </a:xfrm>
-          <a:prstGeom prst="straightConnector1">
-            <a:avLst/>
-          </a:prstGeom>
-          <a:ln w="66675">
-            <a:solidFill>
-              <a:schemeClr val="tx1"/>
-            </a:solidFill>
-            <a:tailEnd type="triangle"/>
-          </a:ln>
-        </p:spPr>
-        <p:style>
-          <a:lnRef idx="1">
-            <a:schemeClr val="accent1"/>
-          </a:lnRef>
-          <a:fillRef idx="0">
-            <a:schemeClr val="accent1"/>
-          </a:fillRef>
-          <a:effectRef idx="0">
-            <a:schemeClr val="accent1"/>
-          </a:effectRef>
-          <a:fontRef idx="minor">
-            <a:schemeClr val="tx1"/>
-          </a:fontRef>
-        </p:style>
-      </p:cxnSp>
     </p:spTree>
     <p:extLst>
       <p:ext uri="{BB962C8B-B14F-4D97-AF65-F5344CB8AC3E}">
-        <p14:creationId xmlns:p14="http://schemas.microsoft.com/office/powerpoint/2010/main" val="2960734336"/>
+        <p14:creationId xmlns:p14="http://schemas.microsoft.com/office/powerpoint/2010/main" val="2442747085"/>
       </p:ext>
     </p:extLst>
   </p:cSld>
